--- a/DevSecOps-CI-CD-Hotstar-Clone.pptx
+++ b/DevSecOps-CI-CD-Hotstar-Clone.pptx
@@ -22880,7 +22880,7 @@
               </a:rPr>
               <a:t>it</a:t>
             </a:r>
-            <a:endParaRPr sz="1200">
+            <a:endParaRPr sz="1200" dirty="0">
               <a:latin typeface="Calibri"/>
               <a:cs typeface="Calibri"/>
             </a:endParaRPr>
@@ -22927,7 +22927,21 @@
                 <a:latin typeface="Calibri"/>
                 <a:cs typeface="Calibri"/>
               </a:rPr>
-              <a:t>Plugin,</a:t>
+              <a:t>Plugin</a:t>
+            </a:r>
+            <a:r>
+              <a:rPr lang="en-US" sz="1200" dirty="0">
+                <a:latin typeface="Calibri"/>
+                <a:cs typeface="Calibri"/>
+              </a:rPr>
+              <a:t>s</a:t>
+            </a:r>
+            <a:r>
+              <a:rPr sz="1200" dirty="0">
+                <a:latin typeface="Calibri"/>
+                <a:cs typeface="Calibri"/>
+              </a:rPr>
+              <a:t>,</a:t>
             </a:r>
             <a:r>
               <a:rPr sz="1200" spc="-35" dirty="0">
@@ -22985,7 +22999,7 @@
               </a:rPr>
               <a:t>successfully</a:t>
             </a:r>
-            <a:endParaRPr sz="1200">
+            <a:endParaRPr sz="1200" dirty="0">
               <a:latin typeface="Calibri"/>
               <a:cs typeface="Calibri"/>
             </a:endParaRPr>
